--- a/Phase 1.pptx
+++ b/Phase 1.pptx
@@ -2480,7 +2480,14 @@
               <a:latin typeface="Calibri" panose="020F0502020204030204" pitchFamily="34" charset="0"/>
               <a:cs typeface="Calibri" panose="020F0502020204030204" pitchFamily="34" charset="0"/>
             </a:rPr>
-            <a:t>Analyze aircraft makes and models with lower operational risk profiles based on historical accident data and severity metrics</a:t>
+            <a:t>Analyze aircraft makes and models with lower operational risk profiles based on historical accident data and severity </a:t>
+          </a:r>
+          <a:r>
+            <a:rPr lang="en-US" sz="1900" dirty="0" smtClean="0">
+              <a:latin typeface="Calibri" panose="020F0502020204030204" pitchFamily="34" charset="0"/>
+              <a:cs typeface="Calibri" panose="020F0502020204030204" pitchFamily="34" charset="0"/>
+            </a:rPr>
+            <a:t>metrics.</a:t>
           </a:r>
           <a:endParaRPr lang="en-US" sz="1900" dirty="0">
             <a:latin typeface="Calibri" panose="020F0502020204030204" pitchFamily="34" charset="0"/>
@@ -2571,18 +2578,25 @@
         <a:p>
           <a:pPr rtl="0"/>
           <a:r>
-            <a:rPr lang="en-US" sz="2000" b="1" smtClean="0">
+            <a:rPr lang="en-US" sz="2000" b="1" dirty="0" smtClean="0">
               <a:latin typeface="Calibri" panose="020F0502020204030204" pitchFamily="34" charset="0"/>
               <a:cs typeface="Calibri" panose="020F0502020204030204" pitchFamily="34" charset="0"/>
             </a:rPr>
             <a:t>Assess Geographic Distribution: </a:t>
           </a:r>
           <a:r>
-            <a:rPr lang="en-US" sz="1900" smtClean="0">
+            <a:rPr lang="en-US" sz="1900" dirty="0" smtClean="0">
               <a:latin typeface="Calibri" panose="020F0502020204030204" pitchFamily="34" charset="0"/>
               <a:cs typeface="Calibri" panose="020F0502020204030204" pitchFamily="34" charset="0"/>
             </a:rPr>
-            <a:t>Evaluate geographic accident patterns to determine regions with higher operational risks and understand contributing factors</a:t>
+            <a:t>Evaluate geographic accident patterns to determine regions with higher operational risks and understand contributing </a:t>
+          </a:r>
+          <a:r>
+            <a:rPr lang="en-US" sz="1900" dirty="0" smtClean="0">
+              <a:latin typeface="Calibri" panose="020F0502020204030204" pitchFamily="34" charset="0"/>
+              <a:cs typeface="Calibri" panose="020F0502020204030204" pitchFamily="34" charset="0"/>
+            </a:rPr>
+            <a:t>factors.</a:t>
           </a:r>
           <a:endParaRPr lang="en-US" sz="1900" dirty="0">
             <a:latin typeface="Calibri" panose="020F0502020204030204" pitchFamily="34" charset="0"/>
@@ -2622,18 +2636,25 @@
         <a:p>
           <a:pPr rtl="0"/>
           <a:r>
-            <a:rPr lang="en-US" sz="2000" b="1" smtClean="0">
+            <a:rPr lang="en-US" sz="2000" b="1" dirty="0" smtClean="0">
               <a:latin typeface="Calibri" panose="020F0502020204030204" pitchFamily="34" charset="0"/>
               <a:cs typeface="Calibri" panose="020F0502020204030204" pitchFamily="34" charset="0"/>
             </a:rPr>
             <a:t>Evaluate Operator Performance: </a:t>
           </a:r>
           <a:r>
-            <a:rPr lang="en-US" sz="1900" smtClean="0">
+            <a:rPr lang="en-US" sz="1900" dirty="0" smtClean="0">
               <a:latin typeface="Calibri" panose="020F0502020204030204" pitchFamily="34" charset="0"/>
               <a:cs typeface="Calibri" panose="020F0502020204030204" pitchFamily="34" charset="0"/>
             </a:rPr>
-            <a:t>Analyze operator safety records to identify organizations with higher and lower accident frequencies relative to operational volume</a:t>
+            <a:t>Analyze operator safety records to identify organizations with higher and lower accident frequencies relative to operational </a:t>
+          </a:r>
+          <a:r>
+            <a:rPr lang="en-US" sz="1900" dirty="0" smtClean="0">
+              <a:latin typeface="Calibri" panose="020F0502020204030204" pitchFamily="34" charset="0"/>
+              <a:cs typeface="Calibri" panose="020F0502020204030204" pitchFamily="34" charset="0"/>
+            </a:rPr>
+            <a:t>volume.</a:t>
           </a:r>
           <a:endParaRPr lang="en-US" sz="1900" dirty="0">
             <a:latin typeface="Calibri" panose="020F0502020204030204" pitchFamily="34" charset="0"/>
@@ -2725,17 +2746,17 @@
     </dgm:pt>
   </dgm:ptLst>
   <dgm:cxnLst>
+    <dgm:cxn modelId="{D7A5C566-D04F-4B53-B8E1-EAA03EB53606}" type="presOf" srcId="{5F52DECD-4F14-49F8-A972-F6C6346BC571}" destId="{BC39C544-BC8E-43C7-8760-296858EF0270}" srcOrd="0" destOrd="0" presId="urn:microsoft.com/office/officeart/2005/8/layout/vList5"/>
+    <dgm:cxn modelId="{8E0AB224-62A0-46BD-84D1-5DA532FDB089}" srcId="{15C3F974-E8E3-4442-A8CC-4BBB4926E69C}" destId="{8404A2AD-C8BA-497E-9ECC-A7E177533A20}" srcOrd="3" destOrd="0" parTransId="{B9B3CADC-FB2A-4375-A89E-971A46FFBCEF}" sibTransId="{6D02DE2E-6B96-422B-8F19-1F5A2B8F0616}"/>
+    <dgm:cxn modelId="{58AD4C62-3AAA-49DE-AE36-2525792E7350}" type="presOf" srcId="{FBEB9248-E7F3-4873-A9D6-6643B97CA78D}" destId="{88D03780-E2DE-4E1D-B0BD-BE9EDF860914}" srcOrd="0" destOrd="0" presId="urn:microsoft.com/office/officeart/2005/8/layout/vList5"/>
+    <dgm:cxn modelId="{3E3273D0-A7BD-48D1-9E0A-93B9CBCF7F62}" srcId="{15C3F974-E8E3-4442-A8CC-4BBB4926E69C}" destId="{22360D29-D5B4-4094-8C0F-6253535096B6}" srcOrd="1" destOrd="0" parTransId="{BF0F0A16-A46D-4603-9443-1A6722A6B395}" sibTransId="{F392B0E3-162C-43FB-9D43-4386FB75D54F}"/>
+    <dgm:cxn modelId="{15A56FC2-D045-40C9-93C8-F2BB8C3DA1A9}" type="presOf" srcId="{22360D29-D5B4-4094-8C0F-6253535096B6}" destId="{BC39C544-BC8E-43C7-8760-296858EF0270}" srcOrd="0" destOrd="1" presId="urn:microsoft.com/office/officeart/2005/8/layout/vList5"/>
+    <dgm:cxn modelId="{176C5248-20F9-4070-85FD-CC62A516F447}" srcId="{FBEB9248-E7F3-4873-A9D6-6643B97CA78D}" destId="{15C3F974-E8E3-4442-A8CC-4BBB4926E69C}" srcOrd="0" destOrd="0" parTransId="{68F2E7B5-781E-4F48-AECC-A99B0AFF0631}" sibTransId="{5F0D9310-EE8E-4D87-88B6-9B34B7814EE6}"/>
     <dgm:cxn modelId="{77B76004-10D4-4F82-B695-4B8B80AB4270}" type="presOf" srcId="{8404A2AD-C8BA-497E-9ECC-A7E177533A20}" destId="{BC39C544-BC8E-43C7-8760-296858EF0270}" srcOrd="0" destOrd="3" presId="urn:microsoft.com/office/officeart/2005/8/layout/vList5"/>
-    <dgm:cxn modelId="{176C5248-20F9-4070-85FD-CC62A516F447}" srcId="{FBEB9248-E7F3-4873-A9D6-6643B97CA78D}" destId="{15C3F974-E8E3-4442-A8CC-4BBB4926E69C}" srcOrd="0" destOrd="0" parTransId="{68F2E7B5-781E-4F48-AECC-A99B0AFF0631}" sibTransId="{5F0D9310-EE8E-4D87-88B6-9B34B7814EE6}"/>
-    <dgm:cxn modelId="{D7A5C566-D04F-4B53-B8E1-EAA03EB53606}" type="presOf" srcId="{5F52DECD-4F14-49F8-A972-F6C6346BC571}" destId="{BC39C544-BC8E-43C7-8760-296858EF0270}" srcOrd="0" destOrd="0" presId="urn:microsoft.com/office/officeart/2005/8/layout/vList5"/>
-    <dgm:cxn modelId="{15A56FC2-D045-40C9-93C8-F2BB8C3DA1A9}" type="presOf" srcId="{22360D29-D5B4-4094-8C0F-6253535096B6}" destId="{BC39C544-BC8E-43C7-8760-296858EF0270}" srcOrd="0" destOrd="1" presId="urn:microsoft.com/office/officeart/2005/8/layout/vList5"/>
-    <dgm:cxn modelId="{58AD4C62-3AAA-49DE-AE36-2525792E7350}" type="presOf" srcId="{FBEB9248-E7F3-4873-A9D6-6643B97CA78D}" destId="{88D03780-E2DE-4E1D-B0BD-BE9EDF860914}" srcOrd="0" destOrd="0" presId="urn:microsoft.com/office/officeart/2005/8/layout/vList5"/>
-    <dgm:cxn modelId="{8E0AB224-62A0-46BD-84D1-5DA532FDB089}" srcId="{15C3F974-E8E3-4442-A8CC-4BBB4926E69C}" destId="{8404A2AD-C8BA-497E-9ECC-A7E177533A20}" srcOrd="3" destOrd="0" parTransId="{B9B3CADC-FB2A-4375-A89E-971A46FFBCEF}" sibTransId="{6D02DE2E-6B96-422B-8F19-1F5A2B8F0616}"/>
-    <dgm:cxn modelId="{3E3273D0-A7BD-48D1-9E0A-93B9CBCF7F62}" srcId="{15C3F974-E8E3-4442-A8CC-4BBB4926E69C}" destId="{22360D29-D5B4-4094-8C0F-6253535096B6}" srcOrd="1" destOrd="0" parTransId="{BF0F0A16-A46D-4603-9443-1A6722A6B395}" sibTransId="{F392B0E3-162C-43FB-9D43-4386FB75D54F}"/>
+    <dgm:cxn modelId="{CD88A2C6-8DFB-482A-9BDF-25F358451724}" type="presOf" srcId="{C8095797-148C-403E-8F2F-2659E0133F4B}" destId="{BC39C544-BC8E-43C7-8760-296858EF0270}" srcOrd="0" destOrd="2" presId="urn:microsoft.com/office/officeart/2005/8/layout/vList5"/>
     <dgm:cxn modelId="{6D4E85B0-6FB9-49F4-B4C7-6DC07B043D49}" type="presOf" srcId="{15C3F974-E8E3-4442-A8CC-4BBB4926E69C}" destId="{13101FFD-BC0A-4647-BC43-01B2B5E07E68}" srcOrd="0" destOrd="0" presId="urn:microsoft.com/office/officeart/2005/8/layout/vList5"/>
-    <dgm:cxn modelId="{CD88A2C6-8DFB-482A-9BDF-25F358451724}" type="presOf" srcId="{C8095797-148C-403E-8F2F-2659E0133F4B}" destId="{BC39C544-BC8E-43C7-8760-296858EF0270}" srcOrd="0" destOrd="2" presId="urn:microsoft.com/office/officeart/2005/8/layout/vList5"/>
+    <dgm:cxn modelId="{5FA28D52-28D9-4F83-BC60-1DEDC6FFD3B0}" srcId="{15C3F974-E8E3-4442-A8CC-4BBB4926E69C}" destId="{5F52DECD-4F14-49F8-A972-F6C6346BC571}" srcOrd="0" destOrd="0" parTransId="{9CD34E95-8596-4E00-9D02-7B6AE83B6B6E}" sibTransId="{57BAF2B3-F196-452F-8DF7-EF5B0F2D6216}"/>
     <dgm:cxn modelId="{847D27E1-DB72-45F6-AFBB-31CD43DFF998}" srcId="{15C3F974-E8E3-4442-A8CC-4BBB4926E69C}" destId="{C8095797-148C-403E-8F2F-2659E0133F4B}" srcOrd="2" destOrd="0" parTransId="{1C8F6519-2BEC-4D40-86F6-E912F8E5BB6C}" sibTransId="{23EEB40D-267B-431C-AF69-8C8B069FABF8}"/>
-    <dgm:cxn modelId="{5FA28D52-28D9-4F83-BC60-1DEDC6FFD3B0}" srcId="{15C3F974-E8E3-4442-A8CC-4BBB4926E69C}" destId="{5F52DECD-4F14-49F8-A972-F6C6346BC571}" srcOrd="0" destOrd="0" parTransId="{9CD34E95-8596-4E00-9D02-7B6AE83B6B6E}" sibTransId="{57BAF2B3-F196-452F-8DF7-EF5B0F2D6216}"/>
     <dgm:cxn modelId="{9C7ACCC1-F81F-483C-94F4-F7EC9EDB6430}" type="presParOf" srcId="{88D03780-E2DE-4E1D-B0BD-BE9EDF860914}" destId="{0AB50081-6945-42C6-A5DF-897C704CAAC4}" srcOrd="0" destOrd="0" presId="urn:microsoft.com/office/officeart/2005/8/layout/vList5"/>
     <dgm:cxn modelId="{2083D20D-A484-4977-B735-E6CE74C6A228}" type="presParOf" srcId="{0AB50081-6945-42C6-A5DF-897C704CAAC4}" destId="{13101FFD-BC0A-4647-BC43-01B2B5E07E68}" srcOrd="0" destOrd="0" presId="urn:microsoft.com/office/officeart/2005/8/layout/vList5"/>
     <dgm:cxn modelId="{956C1DE6-3693-4979-8881-C267DE192DD1}" type="presParOf" srcId="{0AB50081-6945-42C6-A5DF-897C704CAAC4}" destId="{BC39C544-BC8E-43C7-8760-296858EF0270}" srcOrd="1" destOrd="0" presId="urn:microsoft.com/office/officeart/2005/8/layout/vList5"/>
@@ -2945,6 +2966,13 @@
         </dgm:presLayoutVars>
       </dgm:prSet>
       <dgm:spPr/>
+      <dgm:t>
+        <a:bodyPr/>
+        <a:lstStyle/>
+        <a:p>
+          <a:endParaRPr lang="en-US"/>
+        </a:p>
+      </dgm:t>
     </dgm:pt>
     <dgm:pt modelId="{C0B0CAF8-814F-42B3-81A3-DEEC6F7B5B13}" type="pres">
       <dgm:prSet presAssocID="{45635ECE-5016-4C18-95E0-DF705FBD374A}" presName="linNode" presStyleCnt="0"/>
@@ -2958,6 +2986,13 @@
         </dgm:presLayoutVars>
       </dgm:prSet>
       <dgm:spPr/>
+      <dgm:t>
+        <a:bodyPr/>
+        <a:lstStyle/>
+        <a:p>
+          <a:endParaRPr lang="en-US"/>
+        </a:p>
+      </dgm:t>
     </dgm:pt>
     <dgm:pt modelId="{8FAE7542-B319-479A-B2EA-5664D13252DB}" type="pres">
       <dgm:prSet presAssocID="{AF7F07D6-EEAE-4ECD-948E-03DE552D8702}" presName="sp" presStyleCnt="0"/>
@@ -2975,6 +3010,13 @@
         </dgm:presLayoutVars>
       </dgm:prSet>
       <dgm:spPr/>
+      <dgm:t>
+        <a:bodyPr/>
+        <a:lstStyle/>
+        <a:p>
+          <a:endParaRPr lang="en-US"/>
+        </a:p>
+      </dgm:t>
     </dgm:pt>
     <dgm:pt modelId="{32515A4C-6A9D-46EF-A349-14EC264666DD}" type="pres">
       <dgm:prSet presAssocID="{797744A6-A00A-4400-AEC0-8720695888B5}" presName="sp" presStyleCnt="0"/>
@@ -2992,6 +3034,13 @@
         </dgm:presLayoutVars>
       </dgm:prSet>
       <dgm:spPr/>
+      <dgm:t>
+        <a:bodyPr/>
+        <a:lstStyle/>
+        <a:p>
+          <a:endParaRPr lang="en-US"/>
+        </a:p>
+      </dgm:t>
     </dgm:pt>
     <dgm:pt modelId="{134BDE15-7660-4093-85B5-51BDDBE9058D}" type="pres">
       <dgm:prSet presAssocID="{95C3720F-B938-4137-9431-6E86EC39E886}" presName="sp" presStyleCnt="0"/>
@@ -3009,6 +3058,13 @@
         </dgm:presLayoutVars>
       </dgm:prSet>
       <dgm:spPr/>
+      <dgm:t>
+        <a:bodyPr/>
+        <a:lstStyle/>
+        <a:p>
+          <a:endParaRPr lang="en-US"/>
+        </a:p>
+      </dgm:t>
     </dgm:pt>
   </dgm:ptLst>
   <dgm:cxnLst>
@@ -3065,6 +3121,13 @@
         </dgm:presLayoutVars>
       </dgm:prSet>
       <dgm:spPr/>
+      <dgm:t>
+        <a:bodyPr/>
+        <a:lstStyle/>
+        <a:p>
+          <a:endParaRPr lang="en-US"/>
+        </a:p>
+      </dgm:t>
     </dgm:pt>
     <dgm:pt modelId="{DE3E71E8-0EE0-4AEA-9F35-41B881A59DA9}" type="pres">
       <dgm:prSet presAssocID="{1242D489-EEC1-4236-AA0A-0A417149923C}" presName="arrow" presStyleLbl="bgShp" presStyleIdx="0" presStyleCnt="1"/>
@@ -3187,7 +3250,14 @@
               <a:latin typeface="Calibri" panose="020F0502020204030204" pitchFamily="34" charset="0"/>
               <a:cs typeface="Calibri" panose="020F0502020204030204" pitchFamily="34" charset="0"/>
             </a:rPr>
-            <a:t>Analyze aircraft makes and models with lower operational risk profiles based on historical accident data and severity metrics</a:t>
+            <a:t>Analyze aircraft makes and models with lower operational risk profiles based on historical accident data and severity </a:t>
+          </a:r>
+          <a:r>
+            <a:rPr lang="en-US" sz="1900" kern="1200" dirty="0" smtClean="0">
+              <a:latin typeface="Calibri" panose="020F0502020204030204" pitchFamily="34" charset="0"/>
+              <a:cs typeface="Calibri" panose="020F0502020204030204" pitchFamily="34" charset="0"/>
+            </a:rPr>
+            <a:t>metrics.</a:t>
           </a:r>
           <a:endParaRPr lang="en-US" sz="1900" kern="1200" dirty="0">
             <a:latin typeface="Calibri" panose="020F0502020204030204" pitchFamily="34" charset="0"/>
@@ -3240,18 +3310,25 @@
             <a:buChar char="••"/>
           </a:pPr>
           <a:r>
-            <a:rPr lang="en-US" sz="2000" b="1" kern="1200" smtClean="0">
+            <a:rPr lang="en-US" sz="2000" b="1" kern="1200" dirty="0" smtClean="0">
               <a:latin typeface="Calibri" panose="020F0502020204030204" pitchFamily="34" charset="0"/>
               <a:cs typeface="Calibri" panose="020F0502020204030204" pitchFamily="34" charset="0"/>
             </a:rPr>
             <a:t>Assess Geographic Distribution: </a:t>
           </a:r>
           <a:r>
-            <a:rPr lang="en-US" sz="1900" kern="1200" smtClean="0">
+            <a:rPr lang="en-US" sz="1900" kern="1200" dirty="0" smtClean="0">
               <a:latin typeface="Calibri" panose="020F0502020204030204" pitchFamily="34" charset="0"/>
               <a:cs typeface="Calibri" panose="020F0502020204030204" pitchFamily="34" charset="0"/>
             </a:rPr>
-            <a:t>Evaluate geographic accident patterns to determine regions with higher operational risks and understand contributing factors</a:t>
+            <a:t>Evaluate geographic accident patterns to determine regions with higher operational risks and understand contributing </a:t>
+          </a:r>
+          <a:r>
+            <a:rPr lang="en-US" sz="1900" kern="1200" dirty="0" smtClean="0">
+              <a:latin typeface="Calibri" panose="020F0502020204030204" pitchFamily="34" charset="0"/>
+              <a:cs typeface="Calibri" panose="020F0502020204030204" pitchFamily="34" charset="0"/>
+            </a:rPr>
+            <a:t>factors.</a:t>
           </a:r>
           <a:endParaRPr lang="en-US" sz="1900" kern="1200" dirty="0">
             <a:latin typeface="Calibri" panose="020F0502020204030204" pitchFamily="34" charset="0"/>
@@ -3272,18 +3349,25 @@
             <a:buChar char="••"/>
           </a:pPr>
           <a:r>
-            <a:rPr lang="en-US" sz="2000" b="1" kern="1200" smtClean="0">
+            <a:rPr lang="en-US" sz="2000" b="1" kern="1200" dirty="0" smtClean="0">
               <a:latin typeface="Calibri" panose="020F0502020204030204" pitchFamily="34" charset="0"/>
               <a:cs typeface="Calibri" panose="020F0502020204030204" pitchFamily="34" charset="0"/>
             </a:rPr>
             <a:t>Evaluate Operator Performance: </a:t>
           </a:r>
           <a:r>
-            <a:rPr lang="en-US" sz="1900" kern="1200" smtClean="0">
+            <a:rPr lang="en-US" sz="1900" kern="1200" dirty="0" smtClean="0">
               <a:latin typeface="Calibri" panose="020F0502020204030204" pitchFamily="34" charset="0"/>
               <a:cs typeface="Calibri" panose="020F0502020204030204" pitchFamily="34" charset="0"/>
             </a:rPr>
-            <a:t>Analyze operator safety records to identify organizations with higher and lower accident frequencies relative to operational volume</a:t>
+            <a:t>Analyze operator safety records to identify organizations with higher and lower accident frequencies relative to operational </a:t>
+          </a:r>
+          <a:r>
+            <a:rPr lang="en-US" sz="1900" kern="1200" dirty="0" smtClean="0">
+              <a:latin typeface="Calibri" panose="020F0502020204030204" pitchFamily="34" charset="0"/>
+              <a:cs typeface="Calibri" panose="020F0502020204030204" pitchFamily="34" charset="0"/>
+            </a:rPr>
+            <a:t>volume.</a:t>
           </a:r>
           <a:endParaRPr lang="en-US" sz="1900" kern="1200" dirty="0">
             <a:latin typeface="Calibri" panose="020F0502020204030204" pitchFamily="34" charset="0"/>
@@ -21067,11 +21151,14 @@
               <a:t>Aviation </a:t>
             </a:r>
             <a:r>
-              <a:rPr lang="en-US" sz="4800" b="1" dirty="0">
+              <a:rPr lang="en-US" sz="4800" b="1" dirty="0" smtClean="0">
                 <a:latin typeface="Calibri (Headings)"/>
               </a:rPr>
-              <a:t>Accident Analysis </a:t>
-            </a:r>
+              <a:t>Accident</a:t>
+            </a:r>
+            <a:endParaRPr lang="en-US" sz="4800" b="1" dirty="0">
+              <a:latin typeface="Calibri (Headings)"/>
+            </a:endParaRPr>
           </a:p>
           <a:p>
             <a:pPr algn="ctr"/>
@@ -22261,7 +22348,7 @@
           <p:nvPr>
             <p:extLst>
               <p:ext uri="{D42A27DB-BD31-4B8C-83A1-F6EECF244321}">
-                <p14:modId xmlns:p14="http://schemas.microsoft.com/office/powerpoint/2010/main" val="3548942629"/>
+                <p14:modId xmlns:p14="http://schemas.microsoft.com/office/powerpoint/2010/main" val="2473985987"/>
               </p:ext>
             </p:extLst>
           </p:nvPr>
@@ -23899,15 +23986,6 @@
               </a:rPr>
               <a:t>Strategic Recommendations</a:t>
             </a:r>
-            <a:endParaRPr lang="en-US" sz="2800" b="1" dirty="0">
-              <a:solidFill>
-                <a:schemeClr val="tx1">
-                  <a:lumMod val="85000"/>
-                  <a:lumOff val="15000"/>
-                </a:schemeClr>
-              </a:solidFill>
-              <a:latin typeface="Rockwell" panose="02060603020205020403" pitchFamily="18" charset="0"/>
-            </a:endParaRPr>
           </a:p>
         </p:txBody>
       </p:sp>
@@ -24477,10 +24555,6 @@
               <a:rPr lang="en-US" sz="1200" dirty="0"/>
               <a:t>Fleet Assessment</a:t>
             </a:r>
-            <a:r>
-              <a:rPr lang="en-US" sz="1200" dirty="0"/>
-              <a:t/>
-            </a:r>
             <a:br>
               <a:rPr lang="en-US" sz="1200" dirty="0"/>
             </a:br>
@@ -24488,7 +24562,6 @@
               <a:rPr lang="en-US" sz="1200" dirty="0"/>
               <a:t>(3 months)</a:t>
             </a:r>
-            <a:endParaRPr lang="en-US" sz="1200" dirty="0"/>
           </a:p>
         </p:txBody>
       </p:sp>
@@ -25619,12 +25692,6 @@
               </a:rPr>
               <a:t>No correlation between accident year and fatality rates (-0.045), suggesting fatality severity is independent of time period</a:t>
             </a:r>
-            <a:endParaRPr lang="en-US" dirty="0">
-              <a:solidFill>
-                <a:srgbClr val="374151"/>
-              </a:solidFill>
-              <a:latin typeface="Open Sans"/>
-            </a:endParaRPr>
           </a:p>
         </p:txBody>
       </p:sp>
